--- a/Docu/docu5.pptx
+++ b/Docu/docu5.pptx
@@ -131,6 +131,43 @@
 </p:presentation>
 </file>
 
+<file path=ppt/revisionInfo.xml><?xml version="1.0" encoding="utf-8"?>
+<p1510:revInfo xmlns:a="http://schemas.openxmlformats.org/drawingml/2006/main" xmlns:r="http://schemas.openxmlformats.org/officeDocument/2006/relationships" xmlns:p1510="http://schemas.microsoft.com/office/powerpoint/2015/10/main">
+  <p1510:revLst>
+    <p1510:client id="{90F9DD64-4A25-41D7-A9F6-828E361B3F70}" v="3" dt="2019-06-08T02:59:54.842"/>
+  </p1510:revLst>
+</p1510:revInfo>
+</file>
+
+<file path=ppt/changesInfos/changesInfo1.xml><?xml version="1.0" encoding="utf-8"?>
+<pc:chgInfo xmlns:a="http://schemas.openxmlformats.org/drawingml/2006/main" xmlns:r="http://schemas.openxmlformats.org/officeDocument/2006/relationships" xmlns:ac="http://schemas.microsoft.com/office/drawing/2013/main/command" xmlns:pc="http://schemas.microsoft.com/office/powerpoint/2013/main/command">
+  <pc:docChgLst>
+    <pc:chgData name="Yarithza Hasbleidy Galindo Ayala" userId="81d3b4e3-e252-4d52-8b97-5ee33ca8cec6" providerId="ADAL" clId="{90F9DD64-4A25-41D7-A9F6-828E361B3F70}"/>
+    <pc:docChg chg="modSld">
+      <pc:chgData name="Yarithza Hasbleidy Galindo Ayala" userId="81d3b4e3-e252-4d52-8b97-5ee33ca8cec6" providerId="ADAL" clId="{90F9DD64-4A25-41D7-A9F6-828E361B3F70}" dt="2019-06-08T02:59:54.842" v="2" actId="20577"/>
+      <pc:docMkLst>
+        <pc:docMk/>
+      </pc:docMkLst>
+      <pc:sldChg chg="modSp">
+        <pc:chgData name="Yarithza Hasbleidy Galindo Ayala" userId="81d3b4e3-e252-4d52-8b97-5ee33ca8cec6" providerId="ADAL" clId="{90F9DD64-4A25-41D7-A9F6-828E361B3F70}" dt="2019-06-08T02:59:54.842" v="2" actId="20577"/>
+        <pc:sldMkLst>
+          <pc:docMk/>
+          <pc:sldMk cId="1986797430" sldId="258"/>
+        </pc:sldMkLst>
+        <pc:spChg chg="mod">
+          <ac:chgData name="Yarithza Hasbleidy Galindo Ayala" userId="81d3b4e3-e252-4d52-8b97-5ee33ca8cec6" providerId="ADAL" clId="{90F9DD64-4A25-41D7-A9F6-828E361B3F70}" dt="2019-06-08T02:59:54.842" v="2" actId="20577"/>
+          <ac:spMkLst>
+            <pc:docMk/>
+            <pc:sldMk cId="1986797430" sldId="258"/>
+            <ac:spMk id="2" creationId="{00000000-0000-0000-0000-000000000000}"/>
+          </ac:spMkLst>
+        </pc:spChg>
+      </pc:sldChg>
+    </pc:docChg>
+  </pc:docChgLst>
+</pc:chgInfo>
+</file>
+
 <file path=ppt/notesMasters/notesMaster1.xml><?xml version="1.0" encoding="utf-8"?>
 <p:notesMaster xmlns:a="http://schemas.openxmlformats.org/drawingml/2006/main" xmlns:r="http://schemas.openxmlformats.org/officeDocument/2006/relationships" xmlns:p="http://schemas.openxmlformats.org/presentationml/2006/main">
   <p:cSld>
@@ -214,7 +251,7 @@
             <a:fld id="{AC3C433B-509E-4DC7-B214-CED01993DB01}" type="datetimeFigureOut">
               <a:rPr lang="es-CO" smtClean="0"/>
               <a:pPr/>
-              <a:t>5/06/2019</a:t>
+              <a:t>7/06/2019</a:t>
             </a:fld>
             <a:endParaRPr lang="es-CO" dirty="0"/>
           </a:p>
@@ -671,7 +708,7 @@
           <a:p>
             <a:fld id="{8D87B5C2-953C-48F4-8036-8149E321EBE7}" type="datetime1">
               <a:rPr lang="es-CO" smtClean="0"/>
-              <a:t>5/06/2019</a:t>
+              <a:t>7/06/2019</a:t>
             </a:fld>
             <a:endParaRPr lang="es-CO" dirty="0"/>
           </a:p>
@@ -1004,7 +1041,7 @@
           <a:p>
             <a:fld id="{26330FAE-141A-4BFF-887C-E995FE81429D}" type="datetime1">
               <a:rPr lang="es-CO" smtClean="0"/>
-              <a:t>5/06/2019</a:t>
+              <a:t>7/06/2019</a:t>
             </a:fld>
             <a:endParaRPr lang="es-CO" dirty="0"/>
           </a:p>
@@ -1405,7 +1442,7 @@
           <a:p>
             <a:fld id="{26330FAE-141A-4BFF-887C-E995FE81429D}" type="datetime1">
               <a:rPr lang="es-CO" smtClean="0"/>
-              <a:t>5/06/2019</a:t>
+              <a:t>7/06/2019</a:t>
             </a:fld>
             <a:endParaRPr lang="es-CO" dirty="0"/>
           </a:p>
@@ -1741,7 +1778,7 @@
           <a:p>
             <a:fld id="{26330FAE-141A-4BFF-887C-E995FE81429D}" type="datetime1">
               <a:rPr lang="es-CO" smtClean="0"/>
-              <a:t>5/06/2019</a:t>
+              <a:t>7/06/2019</a:t>
             </a:fld>
             <a:endParaRPr lang="es-CO" dirty="0"/>
           </a:p>
@@ -2061,7 +2098,7 @@
           <a:p>
             <a:fld id="{26330FAE-141A-4BFF-887C-E995FE81429D}" type="datetime1">
               <a:rPr lang="es-CO" smtClean="0"/>
-              <a:t>5/06/2019</a:t>
+              <a:t>7/06/2019</a:t>
             </a:fld>
             <a:endParaRPr lang="es-CO" dirty="0"/>
           </a:p>
@@ -2457,7 +2494,7 @@
           <a:p>
             <a:fld id="{26330FAE-141A-4BFF-887C-E995FE81429D}" type="datetime1">
               <a:rPr lang="es-CO" smtClean="0"/>
-              <a:t>5/06/2019</a:t>
+              <a:t>7/06/2019</a:t>
             </a:fld>
             <a:endParaRPr lang="es-CO" dirty="0"/>
           </a:p>
@@ -2714,7 +2751,7 @@
           <a:p>
             <a:fld id="{B71667AA-A0F9-4CEA-9C89-7CC4B96EFBBB}" type="datetime1">
               <a:rPr lang="es-CO" smtClean="0"/>
-              <a:t>5/06/2019</a:t>
+              <a:t>7/06/2019</a:t>
             </a:fld>
             <a:endParaRPr lang="es-CO" dirty="0"/>
           </a:p>
@@ -2975,7 +3012,7 @@
           <a:p>
             <a:fld id="{74C80D9D-8886-438C-B3AC-C0C6499B7D8C}" type="datetime1">
               <a:rPr lang="es-CO" smtClean="0"/>
-              <a:t>5/06/2019</a:t>
+              <a:t>7/06/2019</a:t>
             </a:fld>
             <a:endParaRPr lang="es-CO" dirty="0"/>
           </a:p>
@@ -3236,7 +3273,7 @@
           <a:p>
             <a:fld id="{583CF400-3EDD-4B93-B1D4-3B4E907EC021}" type="datetime1">
               <a:rPr lang="es-CO" smtClean="0"/>
-              <a:t>5/06/2019</a:t>
+              <a:t>7/06/2019</a:t>
             </a:fld>
             <a:endParaRPr lang="es-CO" dirty="0"/>
           </a:p>
@@ -3564,7 +3601,7 @@
           <a:p>
             <a:fld id="{034E3B09-D336-4CF7-91D4-B6E9115CB8A4}" type="datetime1">
               <a:rPr lang="es-CO" smtClean="0"/>
-              <a:t>5/06/2019</a:t>
+              <a:t>7/06/2019</a:t>
             </a:fld>
             <a:endParaRPr lang="es-CO" dirty="0"/>
           </a:p>
@@ -3886,7 +3923,7 @@
           <a:p>
             <a:fld id="{9D65138E-880C-4059-8E27-FF876D100CAF}" type="datetime1">
               <a:rPr lang="es-CO" smtClean="0"/>
-              <a:t>5/06/2019</a:t>
+              <a:t>7/06/2019</a:t>
             </a:fld>
             <a:endParaRPr lang="es-CO" dirty="0"/>
           </a:p>
@@ -4342,7 +4379,7 @@
           <a:p>
             <a:fld id="{DC6E6577-1C7A-4DFE-9700-2D8DFB3472D1}" type="datetime1">
               <a:rPr lang="es-CO" smtClean="0"/>
-              <a:t>5/06/2019</a:t>
+              <a:t>7/06/2019</a:t>
             </a:fld>
             <a:endParaRPr lang="es-CO" dirty="0"/>
           </a:p>
@@ -4551,7 +4588,7 @@
           <a:p>
             <a:fld id="{26330FAE-141A-4BFF-887C-E995FE81429D}" type="datetime1">
               <a:rPr lang="es-CO" smtClean="0"/>
-              <a:t>5/06/2019</a:t>
+              <a:t>7/06/2019</a:t>
             </a:fld>
             <a:endParaRPr lang="es-CO" dirty="0"/>
           </a:p>
@@ -4728,7 +4765,7 @@
           <a:p>
             <a:fld id="{8DA94E56-31C3-428C-906D-B3E9E4B8DBAD}" type="datetime1">
               <a:rPr lang="es-CO" smtClean="0"/>
-              <a:t>5/06/2019</a:t>
+              <a:t>7/06/2019</a:t>
             </a:fld>
             <a:endParaRPr lang="es-CO" dirty="0"/>
           </a:p>
@@ -5060,7 +5097,7 @@
           <a:p>
             <a:fld id="{9407FB20-0F53-4606-9515-75A418ADA495}" type="datetime1">
               <a:rPr lang="es-CO" smtClean="0"/>
-              <a:t>5/06/2019</a:t>
+              <a:t>7/06/2019</a:t>
             </a:fld>
             <a:endParaRPr lang="es-CO" dirty="0"/>
           </a:p>
@@ -5404,7 +5441,7 @@
           <a:p>
             <a:fld id="{1A7B92AE-B2EB-4F10-B119-B863F70790DC}" type="datetime1">
               <a:rPr lang="es-CO" smtClean="0"/>
-              <a:t>5/06/2019</a:t>
+              <a:t>7/06/2019</a:t>
             </a:fld>
             <a:endParaRPr lang="es-CO" dirty="0"/>
           </a:p>
@@ -7520,7 +7557,7 @@
           <a:p>
             <a:fld id="{26330FAE-141A-4BFF-887C-E995FE81429D}" type="datetime1">
               <a:rPr lang="es-CO" smtClean="0"/>
-              <a:t>5/06/2019</a:t>
+              <a:t>7/06/2019</a:t>
             </a:fld>
             <a:endParaRPr lang="es-CO" dirty="0"/>
           </a:p>
@@ -8343,8 +8380,8 @@
         </p:nvSpPr>
         <p:spPr>
           <a:xfrm>
-            <a:off x="467544" y="764704"/>
-            <a:ext cx="7776864" cy="5355312"/>
+            <a:off x="1187624" y="188640"/>
+            <a:ext cx="7776864" cy="6463308"/>
           </a:xfrm>
           <a:prstGeom prst="rect">
             <a:avLst/>

--- a/Docu/docu5.pptx
+++ b/Docu/docu5.pptx
@@ -134,7 +134,7 @@
 <file path=ppt/revisionInfo.xml><?xml version="1.0" encoding="utf-8"?>
 <p1510:revInfo xmlns:a="http://schemas.openxmlformats.org/drawingml/2006/main" xmlns:r="http://schemas.openxmlformats.org/officeDocument/2006/relationships" xmlns:p1510="http://schemas.microsoft.com/office/powerpoint/2015/10/main">
   <p1510:revLst>
-    <p1510:client id="{90F9DD64-4A25-41D7-A9F6-828E361B3F70}" v="3" dt="2019-06-08T02:59:54.842"/>
+    <p1510:client id="{90F9DD64-4A25-41D7-A9F6-828E361B3F70}" v="440" dt="2019-06-08T03:48:59.495"/>
   </p1510:revLst>
 </p1510:revInfo>
 </file>
@@ -143,22 +143,82 @@
 <pc:chgInfo xmlns:a="http://schemas.openxmlformats.org/drawingml/2006/main" xmlns:r="http://schemas.openxmlformats.org/officeDocument/2006/relationships" xmlns:ac="http://schemas.microsoft.com/office/drawing/2013/main/command" xmlns:pc="http://schemas.microsoft.com/office/powerpoint/2013/main/command">
   <pc:docChgLst>
     <pc:chgData name="Yarithza Hasbleidy Galindo Ayala" userId="81d3b4e3-e252-4d52-8b97-5ee33ca8cec6" providerId="ADAL" clId="{90F9DD64-4A25-41D7-A9F6-828E361B3F70}"/>
-    <pc:docChg chg="modSld">
-      <pc:chgData name="Yarithza Hasbleidy Galindo Ayala" userId="81d3b4e3-e252-4d52-8b97-5ee33ca8cec6" providerId="ADAL" clId="{90F9DD64-4A25-41D7-A9F6-828E361B3F70}" dt="2019-06-08T02:59:54.842" v="2" actId="20577"/>
+    <pc:docChg chg="undo custSel modSld">
+      <pc:chgData name="Yarithza Hasbleidy Galindo Ayala" userId="81d3b4e3-e252-4d52-8b97-5ee33ca8cec6" providerId="ADAL" clId="{90F9DD64-4A25-41D7-A9F6-828E361B3F70}" dt="2019-06-08T03:48:59.495" v="439" actId="14100"/>
       <pc:docMkLst>
         <pc:docMk/>
       </pc:docMkLst>
       <pc:sldChg chg="modSp">
-        <pc:chgData name="Yarithza Hasbleidy Galindo Ayala" userId="81d3b4e3-e252-4d52-8b97-5ee33ca8cec6" providerId="ADAL" clId="{90F9DD64-4A25-41D7-A9F6-828E361B3F70}" dt="2019-06-08T02:59:54.842" v="2" actId="20577"/>
+        <pc:chgData name="Yarithza Hasbleidy Galindo Ayala" userId="81d3b4e3-e252-4d52-8b97-5ee33ca8cec6" providerId="ADAL" clId="{90F9DD64-4A25-41D7-A9F6-828E361B3F70}" dt="2019-06-08T03:13:56.523" v="4" actId="20577"/>
         <pc:sldMkLst>
           <pc:docMk/>
           <pc:sldMk cId="1986797430" sldId="258"/>
         </pc:sldMkLst>
         <pc:spChg chg="mod">
-          <ac:chgData name="Yarithza Hasbleidy Galindo Ayala" userId="81d3b4e3-e252-4d52-8b97-5ee33ca8cec6" providerId="ADAL" clId="{90F9DD64-4A25-41D7-A9F6-828E361B3F70}" dt="2019-06-08T02:59:54.842" v="2" actId="20577"/>
+          <ac:chgData name="Yarithza Hasbleidy Galindo Ayala" userId="81d3b4e3-e252-4d52-8b97-5ee33ca8cec6" providerId="ADAL" clId="{90F9DD64-4A25-41D7-A9F6-828E361B3F70}" dt="2019-06-08T03:13:56.523" v="4" actId="20577"/>
           <ac:spMkLst>
             <pc:docMk/>
             <pc:sldMk cId="1986797430" sldId="258"/>
+            <ac:spMk id="2" creationId="{00000000-0000-0000-0000-000000000000}"/>
+          </ac:spMkLst>
+        </pc:spChg>
+      </pc:sldChg>
+      <pc:sldChg chg="modSp">
+        <pc:chgData name="Yarithza Hasbleidy Galindo Ayala" userId="81d3b4e3-e252-4d52-8b97-5ee33ca8cec6" providerId="ADAL" clId="{90F9DD64-4A25-41D7-A9F6-828E361B3F70}" dt="2019-06-08T03:48:59.495" v="439" actId="14100"/>
+        <pc:sldMkLst>
+          <pc:docMk/>
+          <pc:sldMk cId="1519397408" sldId="259"/>
+        </pc:sldMkLst>
+        <pc:spChg chg="mod">
+          <ac:chgData name="Yarithza Hasbleidy Galindo Ayala" userId="81d3b4e3-e252-4d52-8b97-5ee33ca8cec6" providerId="ADAL" clId="{90F9DD64-4A25-41D7-A9F6-828E361B3F70}" dt="2019-06-08T03:48:59.495" v="439" actId="14100"/>
+          <ac:spMkLst>
+            <pc:docMk/>
+            <pc:sldMk cId="1519397408" sldId="259"/>
+            <ac:spMk id="2" creationId="{00000000-0000-0000-0000-000000000000}"/>
+          </ac:spMkLst>
+        </pc:spChg>
+      </pc:sldChg>
+      <pc:sldChg chg="modSp">
+        <pc:chgData name="Yarithza Hasbleidy Galindo Ayala" userId="81d3b4e3-e252-4d52-8b97-5ee33ca8cec6" providerId="ADAL" clId="{90F9DD64-4A25-41D7-A9F6-828E361B3F70}" dt="2019-06-08T03:48:47.930" v="438" actId="14100"/>
+        <pc:sldMkLst>
+          <pc:docMk/>
+          <pc:sldMk cId="2127329632" sldId="260"/>
+        </pc:sldMkLst>
+        <pc:spChg chg="mod">
+          <ac:chgData name="Yarithza Hasbleidy Galindo Ayala" userId="81d3b4e3-e252-4d52-8b97-5ee33ca8cec6" providerId="ADAL" clId="{90F9DD64-4A25-41D7-A9F6-828E361B3F70}" dt="2019-06-08T03:48:47.930" v="438" actId="14100"/>
+          <ac:spMkLst>
+            <pc:docMk/>
+            <pc:sldMk cId="2127329632" sldId="260"/>
+            <ac:spMk id="3" creationId="{00000000-0000-0000-0000-000000000000}"/>
+          </ac:spMkLst>
+        </pc:spChg>
+      </pc:sldChg>
+      <pc:sldChg chg="modSp">
+        <pc:chgData name="Yarithza Hasbleidy Galindo Ayala" userId="81d3b4e3-e252-4d52-8b97-5ee33ca8cec6" providerId="ADAL" clId="{90F9DD64-4A25-41D7-A9F6-828E361B3F70}" dt="2019-06-08T03:37:49.378" v="416"/>
+        <pc:sldMkLst>
+          <pc:docMk/>
+          <pc:sldMk cId="297369105" sldId="261"/>
+        </pc:sldMkLst>
+        <pc:spChg chg="mod">
+          <ac:chgData name="Yarithza Hasbleidy Galindo Ayala" userId="81d3b4e3-e252-4d52-8b97-5ee33ca8cec6" providerId="ADAL" clId="{90F9DD64-4A25-41D7-A9F6-828E361B3F70}" dt="2019-06-08T03:37:49.378" v="416"/>
+          <ac:spMkLst>
+            <pc:docMk/>
+            <pc:sldMk cId="297369105" sldId="261"/>
+            <ac:spMk id="2" creationId="{00000000-0000-0000-0000-000000000000}"/>
+          </ac:spMkLst>
+        </pc:spChg>
+      </pc:sldChg>
+      <pc:sldChg chg="modSp">
+        <pc:chgData name="Yarithza Hasbleidy Galindo Ayala" userId="81d3b4e3-e252-4d52-8b97-5ee33ca8cec6" providerId="ADAL" clId="{90F9DD64-4A25-41D7-A9F6-828E361B3F70}" dt="2019-06-08T03:48:29.891" v="436" actId="14100"/>
+        <pc:sldMkLst>
+          <pc:docMk/>
+          <pc:sldMk cId="2390036602" sldId="262"/>
+        </pc:sldMkLst>
+        <pc:spChg chg="mod">
+          <ac:chgData name="Yarithza Hasbleidy Galindo Ayala" userId="81d3b4e3-e252-4d52-8b97-5ee33ca8cec6" providerId="ADAL" clId="{90F9DD64-4A25-41D7-A9F6-828E361B3F70}" dt="2019-06-08T03:48:29.891" v="436" actId="14100"/>
+          <ac:spMkLst>
+            <pc:docMk/>
+            <pc:sldMk cId="2390036602" sldId="262"/>
             <ac:spMk id="2" creationId="{00000000-0000-0000-0000-000000000000}"/>
           </ac:spMkLst>
         </pc:spChg>
@@ -8381,7 +8441,7 @@
         <p:spPr>
           <a:xfrm>
             <a:off x="1187624" y="188640"/>
-            <a:ext cx="7776864" cy="6463308"/>
+            <a:ext cx="7776864" cy="6186309"/>
           </a:xfrm>
           <a:prstGeom prst="rect">
             <a:avLst/>
@@ -8497,10 +8557,7 @@
               <a:buFont typeface="Arial" panose="020B0604020202020204" pitchFamily="34" charset="0"/>
               <a:buChar char="•"/>
             </a:pPr>
-            <a:r>
-              <a:rPr lang="es-CO" dirty="0"/>
-              <a:t>La desventaja fundamental de estas redes existe en el campo de la seguridad. </a:t>
-            </a:r>
+            <a:endParaRPr lang="es-CO" dirty="0"/>
           </a:p>
           <a:p>
             <a:pPr marL="285750" lvl="0" indent="-285750" algn="just" fontAlgn="base">
@@ -8509,7 +8566,7 @@
             </a:pPr>
             <a:r>
               <a:rPr lang="es-CO" dirty="0"/>
-              <a:t>Hay que señalar que esta tecnología no es compatible con otros tipos de conexiones sin cables como Bluetooth, GPRS, UMTS, etc. </a:t>
+              <a:t>La desventaja fundamental de estas redes existe en el campo de la seguridad. </a:t>
             </a:r>
           </a:p>
           <a:p>
@@ -8556,8 +8613,8 @@
         </p:nvSpPr>
         <p:spPr>
           <a:xfrm>
-            <a:off x="611560" y="764704"/>
-            <a:ext cx="7416824" cy="5078313"/>
+            <a:off x="1511152" y="335845"/>
+            <a:ext cx="7309320" cy="5909310"/>
           </a:xfrm>
           <a:prstGeom prst="rect">
             <a:avLst/>
@@ -8595,7 +8652,7 @@
             </a:r>
             <a:r>
               <a:rPr lang="es-CO" dirty="0"/>
-              <a:t>-Fi como el WEP y el WPA, que se encargan de codificar la información transmitida para proteger su confidencialidad, proporcionados por los propios dispositivos inalámbricos </a:t>
+              <a:t>-Fi como el WEP y el WPA, que se encargan de codificar la información transmitida para proteger su confidencialidad, proporcionados por los propios dispositivos inalámbricos.</a:t>
             </a:r>
           </a:p>
           <a:p>
@@ -8603,10 +8660,7 @@
               <a:buFont typeface="Arial" panose="020B0604020202020204" pitchFamily="34" charset="0"/>
               <a:buChar char="•"/>
             </a:pPr>
-            <a:r>
-              <a:rPr lang="es-CO" dirty="0"/>
-              <a:t>WEP, cifra los datos en su red de forma que sólo el destinatario deseado pueda acceder a ellos. Los cifrados de 64 y 128 bits son dos niveles de seguridad WEP. WEP codifica los datos mediante una “clave” de cifrado antes de enviarlo al aire. </a:t>
-            </a:r>
+            <a:endParaRPr lang="es-CO" dirty="0"/>
           </a:p>
           <a:p>
             <a:pPr marL="285750" indent="-285750">
@@ -8615,7 +8669,7 @@
             </a:pPr>
             <a:r>
               <a:rPr lang="es-CO" dirty="0"/>
-              <a:t>WPA: presenta mejoras como generación dinámica de la clave de acceso. Las claves se insertan como de dígitos alfanuméricos, sin restricción de longitud </a:t>
+              <a:t>WEP, cifra los datos en su red de forma que sólo el destinatario deseado pueda acceder a ellos. Los cifrados de 64 y 128 bits son dos niveles de seguridad WEP. WEP codifica los datos mediante una “clave” de cifrado antes de enviarlo al aire. </a:t>
             </a:r>
           </a:p>
           <a:p>
@@ -8623,10 +8677,24 @@
               <a:buFont typeface="Arial" panose="020B0604020202020204" pitchFamily="34" charset="0"/>
               <a:buChar char="•"/>
             </a:pPr>
+            <a:endParaRPr lang="es-CO" dirty="0"/>
+          </a:p>
+          <a:p>
+            <a:pPr marL="285750" indent="-285750">
+              <a:buFont typeface="Arial" panose="020B0604020202020204" pitchFamily="34" charset="0"/>
+              <a:buChar char="•"/>
+            </a:pPr>
             <a:r>
               <a:rPr lang="es-CO" dirty="0"/>
-              <a:t>IPSEC (túneles IP) en el caso de las VPN y el conjunto de estándares IEEE 802.1X, que permite la autenticación y autorización de usuarios. </a:t>
-            </a:r>
+              <a:t>WPA: presenta mejoras como generación dinámica de la clave de acceso. Las claves se insertan como de dígitos alfanuméricos, sin restricción de longitud.</a:t>
+            </a:r>
+          </a:p>
+          <a:p>
+            <a:pPr marL="285750" indent="-285750">
+              <a:buFont typeface="Arial" panose="020B0604020202020204" pitchFamily="34" charset="0"/>
+              <a:buChar char="•"/>
+            </a:pPr>
+            <a:endParaRPr lang="es-CO" dirty="0"/>
           </a:p>
           <a:p>
             <a:pPr marL="285750" indent="-285750">
@@ -8678,8 +8746,8 @@
         </p:nvSpPr>
         <p:spPr>
           <a:xfrm>
-            <a:off x="539552" y="1166843"/>
-            <a:ext cx="7560840" cy="3970318"/>
+            <a:off x="2051720" y="692696"/>
+            <a:ext cx="6984776" cy="3693319"/>
           </a:xfrm>
           <a:prstGeom prst="rect">
             <a:avLst/>
@@ -8715,18 +8783,9 @@
             </a:r>
           </a:p>
           <a:p>
-            <a:pPr algn="just"/>
             <a:r>
               <a:rPr lang="es-CO" dirty="0"/>
-              <a:t>Los ordenadores y dispositivos de escritorio (Impresoras, faxes, pequeños concentradores, concentradores </a:t>
-            </a:r>
-            <a:r>
-              <a:rPr lang="es-CO" dirty="0" err="1"/>
-              <a:t>usb</a:t>
-            </a:r>
-            <a:r>
-              <a:rPr lang="es-CO" dirty="0"/>
-              <a:t>, </a:t>
+              <a:t>Los ordenadores y dispositivos de escritorio (Impresora, fax  …</a:t>
             </a:r>
             <a:r>
               <a:rPr lang="es-CO" dirty="0" err="1"/>
@@ -8734,23 +8793,17 @@
             </a:r>
             <a:r>
               <a:rPr lang="es-CO" dirty="0"/>
-              <a:t>) son uno de los puntos más difíciles de controlar, pues dependen totalmente del uso o mal uso que el usuario mal pueda realizar de ellos o sobre ellos. La única solución en este caso es la implantación de una política clara y comprensible para el usuario mal de uso de los dispositivos que están a su cargo. </a:t>
-            </a:r>
-          </a:p>
-          <a:p>
-            <a:pPr algn="just"/>
+              <a:t>,  son uno de los puntos más difíciles de controlar, pues dependen totalmente del uso que el usuario pueda realizar sobre estos dispositivos , para mitigar las posibles vulnerabilidades de estos equipos es necesario tener actualizado el Firmware.</a:t>
+            </a:r>
+          </a:p>
+          <a:p>
             <a:endParaRPr lang="es-CO" dirty="0"/>
           </a:p>
           <a:p>
-            <a:pPr algn="just"/>
             <a:r>
               <a:rPr lang="es-CO" dirty="0"/>
-              <a:t>Es importante responsabilizar de alguna forma al usuario mal del hardware que está a su cargo, sin que esto suponga una carga añadida a su trabajo normal. </a:t>
-            </a:r>
-          </a:p>
-          <a:p>
-            <a:pPr algn="just"/>
-            <a:endParaRPr lang="es-CO" dirty="0"/>
+              <a:t>Es importante responsabilizar de alguna forma al usuario por el uso hardware que está a su cargo.</a:t>
+            </a:r>
           </a:p>
         </p:txBody>
       </p:sp>
@@ -8792,8 +8845,8 @@
         </p:nvSpPr>
         <p:spPr>
           <a:xfrm>
-            <a:off x="1043608" y="980728"/>
-            <a:ext cx="7488832" cy="3416320"/>
+            <a:off x="1403648" y="764704"/>
+            <a:ext cx="7416824" cy="4524315"/>
           </a:xfrm>
           <a:prstGeom prst="rect">
             <a:avLst/>
@@ -8818,19 +8871,22 @@
           </a:p>
           <a:p>
             <a:r>
-              <a:rPr lang="es-CO" dirty="0"/>
-              <a:t>Debemos tener en cuenta la portabilidad de estos dispositivos, lo que los hace susceptibles de ser robados con facilidad, sobre todo cuando se encuentran fuera de la empresa. </a:t>
-            </a:r>
-          </a:p>
-          <a:p>
+              <a:rPr lang="es-ES" dirty="0"/>
+              <a:t>Debemos tener en cuenta que los equipos de computo (De escritorio, portátil) son susceptibles a ataques cuando se conectan a internet y al acceder a paginas poco seguras o descargar software pirata, adicionalmente a esto, al ser equipos portables son susceptibles a posibles robos, esto conlleva a un fácil acceso a la información sensible del usuario.</a:t>
+            </a:r>
+          </a:p>
+          <a:p>
+            <a:endParaRPr lang="es-ES" dirty="0"/>
+          </a:p>
+          <a:p>
+            <a:endParaRPr lang="es-ES" dirty="0"/>
+          </a:p>
+          <a:p>
+            <a:r>
+              <a:rPr lang="es-ES" dirty="0"/>
+              <a:t>De acuerdo a lo anterior y para mitigar posibles ataques, se debe controlar el acceso a paginas poco seguras y evitar la instalación de software pira. En el caso de robo, para mitigar la problemática de perdida de información del equipo se debe tener un protocolo de sincronización de datos en la nube y adicionalmente encriptar el disco duro del equipo portátil.</a:t>
+            </a:r>
             <a:endParaRPr lang="es-CO" dirty="0"/>
-          </a:p>
-          <a:p>
-            <a:pPr algn="just"/>
-            <a:r>
-              <a:rPr lang="es-CO" dirty="0"/>
-              <a:t>Por eso debe responsabilizarse seriamente a los usuarios de los portátiles que sacan de la empresa, manteniendo un control de entrada/salida de estos dispositivos y de la integridad física de los mismos. En caso de robo el usuario debe comunicar con absoluta inmediatez a la empresa el evento que se ha producido, para que esta pueda minimizar los riesgos que implica el robo de los datos que ese portátil pueda contener.</a:t>
-            </a:r>
           </a:p>
         </p:txBody>
       </p:sp>
@@ -8872,8 +8928,8 @@
         </p:nvSpPr>
         <p:spPr>
           <a:xfrm>
-            <a:off x="611560" y="980728"/>
-            <a:ext cx="7488832" cy="4524315"/>
+            <a:off x="2195736" y="620688"/>
+            <a:ext cx="6408712" cy="3416320"/>
           </a:xfrm>
           <a:prstGeom prst="rect">
             <a:avLst/>
@@ -8887,7 +8943,23 @@
           <a:p>
             <a:r>
               <a:rPr lang="es-CO" b="1" dirty="0"/>
-              <a:t>Dispositivos de mano (Teléfonos Móviles, etc...) </a:t>
+              <a:t>Dispositivos de Móviles ( smartphone y </a:t>
+            </a:r>
+            <a:r>
+              <a:rPr lang="es-CO" b="1" dirty="0" err="1"/>
+              <a:t>tablets</a:t>
+            </a:r>
+            <a:r>
+              <a:rPr lang="es-CO" b="1" dirty="0"/>
+              <a:t> … </a:t>
+            </a:r>
+            <a:r>
+              <a:rPr lang="es-CO" b="1" dirty="0" err="1"/>
+              <a:t>etc</a:t>
+            </a:r>
+            <a:r>
+              <a:rPr lang="es-CO" b="1" dirty="0"/>
+              <a:t>)</a:t>
             </a:r>
           </a:p>
           <a:p>
@@ -8899,23 +8971,24 @@
           <a:p>
             <a:pPr algn="just"/>
             <a:r>
-              <a:rPr lang="es-CO" dirty="0"/>
-              <a:t>Para los dispositivos de mano solo debemos decir que deben tomarse exactamente las mismas medidas que para los portátiles, aunque teniendo en cuenta que normalmente no contienen datos tan críticos para la empresa como los portátiles, aunque son mucho más fáciles de robar. Es bastante común este caso, el robo de un dispositivo de mano con todos los datos de un empleado, que luego pueden ser usados, pues suelen contener números de teléfono internos de la empresa, datos sobre la empresa y en los casos más aterradores incluso passwords de acceso a los sistemas. </a:t>
+              <a:rPr lang="es-ES" dirty="0"/>
+              <a:t>Para los dispositivos móviles solo debemos decir que deben tomarse exactamente las mismas medidas que para los portátiles, aunque son mucho más fáciles de robar. </a:t>
             </a:r>
           </a:p>
           <a:p>
             <a:pPr algn="just"/>
             <a:r>
-              <a:rPr lang="es-CO" dirty="0"/>
+              <a:rPr lang="es-ES" dirty="0"/>
               <a:t> </a:t>
             </a:r>
           </a:p>
           <a:p>
             <a:pPr algn="just"/>
             <a:r>
-              <a:rPr lang="es-CO" dirty="0"/>
-              <a:t>Lo mejor que se puede hacer es no mantener nunca datos importantes en este tipo de dispositivos, sobre todo passwords de acceso, y el aconsejar también que si uno de estos dispositivos es robado o perdido se realice un informe donde se indique que datos susceptibles de ser usados para hacking social o informático pudiera contener el dispositivo. </a:t>
-            </a:r>
+              <a:rPr lang="es-ES" dirty="0"/>
+              <a:t>Para mitigar el robo de información en dispositivos móviles es necesario agregar contraseña de inicio a equipo, de igual manera es necesario sincronizar la información a la nube, ya sean contactos, fotos o documentos. </a:t>
+            </a:r>
+            <a:endParaRPr lang="es-CO" dirty="0"/>
           </a:p>
         </p:txBody>
       </p:sp>

--- a/Docu/docu5.pptx
+++ b/Docu/docu5.pptx
@@ -134,7 +134,7 @@
 <file path=ppt/revisionInfo.xml><?xml version="1.0" encoding="utf-8"?>
 <p1510:revInfo xmlns:a="http://schemas.openxmlformats.org/drawingml/2006/main" xmlns:r="http://schemas.openxmlformats.org/officeDocument/2006/relationships" xmlns:p1510="http://schemas.microsoft.com/office/powerpoint/2015/10/main">
   <p1510:revLst>
-    <p1510:client id="{90F9DD64-4A25-41D7-A9F6-828E361B3F70}" v="440" dt="2019-06-08T03:48:59.495"/>
+    <p1510:client id="{90F9DD64-4A25-41D7-A9F6-828E361B3F70}" v="447" dt="2019-06-08T03:56:45.299"/>
   </p1510:revLst>
 </p1510:revInfo>
 </file>
@@ -144,12 +144,19 @@
   <pc:docChgLst>
     <pc:chgData name="Yarithza Hasbleidy Galindo Ayala" userId="81d3b4e3-e252-4d52-8b97-5ee33ca8cec6" providerId="ADAL" clId="{90F9DD64-4A25-41D7-A9F6-828E361B3F70}"/>
     <pc:docChg chg="undo custSel modSld">
-      <pc:chgData name="Yarithza Hasbleidy Galindo Ayala" userId="81d3b4e3-e252-4d52-8b97-5ee33ca8cec6" providerId="ADAL" clId="{90F9DD64-4A25-41D7-A9F6-828E361B3F70}" dt="2019-06-08T03:48:59.495" v="439" actId="14100"/>
+      <pc:chgData name="Yarithza Hasbleidy Galindo Ayala" userId="81d3b4e3-e252-4d52-8b97-5ee33ca8cec6" providerId="ADAL" clId="{90F9DD64-4A25-41D7-A9F6-828E361B3F70}" dt="2019-06-08T03:56:45.299" v="446"/>
       <pc:docMkLst>
         <pc:docMk/>
       </pc:docMkLst>
-      <pc:sldChg chg="modSp">
-        <pc:chgData name="Yarithza Hasbleidy Galindo Ayala" userId="81d3b4e3-e252-4d52-8b97-5ee33ca8cec6" providerId="ADAL" clId="{90F9DD64-4A25-41D7-A9F6-828E361B3F70}" dt="2019-06-08T03:13:56.523" v="4" actId="20577"/>
+      <pc:sldChg chg="modTransition">
+        <pc:chgData name="Yarithza Hasbleidy Galindo Ayala" userId="81d3b4e3-e252-4d52-8b97-5ee33ca8cec6" providerId="ADAL" clId="{90F9DD64-4A25-41D7-A9F6-828E361B3F70}" dt="2019-06-08T03:56:17.826" v="443"/>
+        <pc:sldMkLst>
+          <pc:docMk/>
+          <pc:sldMk cId="1936742288" sldId="257"/>
+        </pc:sldMkLst>
+      </pc:sldChg>
+      <pc:sldChg chg="modSp modTransition">
+        <pc:chgData name="Yarithza Hasbleidy Galindo Ayala" userId="81d3b4e3-e252-4d52-8b97-5ee33ca8cec6" providerId="ADAL" clId="{90F9DD64-4A25-41D7-A9F6-828E361B3F70}" dt="2019-06-08T03:56:06.264" v="441"/>
         <pc:sldMkLst>
           <pc:docMk/>
           <pc:sldMk cId="1986797430" sldId="258"/>
@@ -163,8 +170,8 @@
           </ac:spMkLst>
         </pc:spChg>
       </pc:sldChg>
-      <pc:sldChg chg="modSp">
-        <pc:chgData name="Yarithza Hasbleidy Galindo Ayala" userId="81d3b4e3-e252-4d52-8b97-5ee33ca8cec6" providerId="ADAL" clId="{90F9DD64-4A25-41D7-A9F6-828E361B3F70}" dt="2019-06-08T03:48:59.495" v="439" actId="14100"/>
+      <pc:sldChg chg="modSp modTransition">
+        <pc:chgData name="Yarithza Hasbleidy Galindo Ayala" userId="81d3b4e3-e252-4d52-8b97-5ee33ca8cec6" providerId="ADAL" clId="{90F9DD64-4A25-41D7-A9F6-828E361B3F70}" dt="2019-06-08T03:56:12.239" v="442"/>
         <pc:sldMkLst>
           <pc:docMk/>
           <pc:sldMk cId="1519397408" sldId="259"/>
@@ -178,8 +185,8 @@
           </ac:spMkLst>
         </pc:spChg>
       </pc:sldChg>
-      <pc:sldChg chg="modSp">
-        <pc:chgData name="Yarithza Hasbleidy Galindo Ayala" userId="81d3b4e3-e252-4d52-8b97-5ee33ca8cec6" providerId="ADAL" clId="{90F9DD64-4A25-41D7-A9F6-828E361B3F70}" dt="2019-06-08T03:48:47.930" v="438" actId="14100"/>
+      <pc:sldChg chg="modSp modTransition">
+        <pc:chgData name="Yarithza Hasbleidy Galindo Ayala" userId="81d3b4e3-e252-4d52-8b97-5ee33ca8cec6" providerId="ADAL" clId="{90F9DD64-4A25-41D7-A9F6-828E361B3F70}" dt="2019-06-08T03:56:32.287" v="444"/>
         <pc:sldMkLst>
           <pc:docMk/>
           <pc:sldMk cId="2127329632" sldId="260"/>
@@ -193,8 +200,8 @@
           </ac:spMkLst>
         </pc:spChg>
       </pc:sldChg>
-      <pc:sldChg chg="modSp">
-        <pc:chgData name="Yarithza Hasbleidy Galindo Ayala" userId="81d3b4e3-e252-4d52-8b97-5ee33ca8cec6" providerId="ADAL" clId="{90F9DD64-4A25-41D7-A9F6-828E361B3F70}" dt="2019-06-08T03:37:49.378" v="416"/>
+      <pc:sldChg chg="modSp modTransition">
+        <pc:chgData name="Yarithza Hasbleidy Galindo Ayala" userId="81d3b4e3-e252-4d52-8b97-5ee33ca8cec6" providerId="ADAL" clId="{90F9DD64-4A25-41D7-A9F6-828E361B3F70}" dt="2019-06-08T03:56:38.666" v="445"/>
         <pc:sldMkLst>
           <pc:docMk/>
           <pc:sldMk cId="297369105" sldId="261"/>
@@ -208,8 +215,8 @@
           </ac:spMkLst>
         </pc:spChg>
       </pc:sldChg>
-      <pc:sldChg chg="modSp">
-        <pc:chgData name="Yarithza Hasbleidy Galindo Ayala" userId="81d3b4e3-e252-4d52-8b97-5ee33ca8cec6" providerId="ADAL" clId="{90F9DD64-4A25-41D7-A9F6-828E361B3F70}" dt="2019-06-08T03:48:29.891" v="436" actId="14100"/>
+      <pc:sldChg chg="modSp modTransition">
+        <pc:chgData name="Yarithza Hasbleidy Galindo Ayala" userId="81d3b4e3-e252-4d52-8b97-5ee33ca8cec6" providerId="ADAL" clId="{90F9DD64-4A25-41D7-A9F6-828E361B3F70}" dt="2019-06-08T03:56:45.299" v="446"/>
         <pc:sldMkLst>
           <pc:docMk/>
           <pc:sldMk cId="2390036602" sldId="262"/>
@@ -8412,6 +8419,18 @@
   <p:clrMapOvr>
     <a:masterClrMapping/>
   </p:clrMapOvr>
+  <mc:AlternateContent xmlns:mc="http://schemas.openxmlformats.org/markup-compatibility/2006">
+    <mc:Choice xmlns:p15="http://schemas.microsoft.com/office/powerpoint/2012/main" Requires="p15">
+      <p:transition xmlns:p14="http://schemas.microsoft.com/office/powerpoint/2010/main" spd="slow" p14:dur="6000">
+        <p15:prstTrans prst="curtains"/>
+      </p:transition>
+    </mc:Choice>
+    <mc:Fallback>
+      <p:transition spd="slow">
+        <p:fade/>
+      </p:transition>
+    </mc:Fallback>
+  </mc:AlternateContent>
 </p:sld>
 </file>
 
@@ -8585,6 +8604,9 @@
   <p:clrMapOvr>
     <a:masterClrMapping/>
   </p:clrMapOvr>
+  <p:transition spd="slow">
+    <p:comb/>
+  </p:transition>
 </p:sld>
 </file>
 
@@ -8718,6 +8740,18 @@
   <p:clrMapOvr>
     <a:masterClrMapping/>
   </p:clrMapOvr>
+  <mc:AlternateContent xmlns:mc="http://schemas.openxmlformats.org/markup-compatibility/2006">
+    <mc:Choice xmlns:p14="http://schemas.microsoft.com/office/powerpoint/2010/main" Requires="p14">
+      <p:transition spd="slow" p14:dur="1200">
+        <p:dissolve/>
+      </p:transition>
+    </mc:Choice>
+    <mc:Fallback>
+      <p:transition spd="slow">
+        <p:dissolve/>
+      </p:transition>
+    </mc:Fallback>
+  </mc:AlternateContent>
 </p:sld>
 </file>
 
@@ -8817,6 +8851,18 @@
   <p:clrMapOvr>
     <a:masterClrMapping/>
   </p:clrMapOvr>
+  <mc:AlternateContent xmlns:mc="http://schemas.openxmlformats.org/markup-compatibility/2006">
+    <mc:Choice xmlns:p14="http://schemas.microsoft.com/office/powerpoint/2010/main" Requires="p14">
+      <p:transition spd="slow" p14:dur="4000">
+        <p14:vortex dir="r"/>
+      </p:transition>
+    </mc:Choice>
+    <mc:Fallback>
+      <p:transition spd="slow">
+        <p:fade/>
+      </p:transition>
+    </mc:Fallback>
+  </mc:AlternateContent>
 </p:sld>
 </file>
 
@@ -8900,6 +8946,18 @@
   <p:clrMapOvr>
     <a:masterClrMapping/>
   </p:clrMapOvr>
+  <mc:AlternateContent xmlns:mc="http://schemas.openxmlformats.org/markup-compatibility/2006">
+    <mc:Choice xmlns:p14="http://schemas.microsoft.com/office/powerpoint/2010/main" Requires="p14">
+      <p:transition spd="slow" p14:dur="3000">
+        <p14:shred/>
+      </p:transition>
+    </mc:Choice>
+    <mc:Fallback>
+      <p:transition spd="slow">
+        <p:fade/>
+      </p:transition>
+    </mc:Fallback>
+  </mc:AlternateContent>
 </p:sld>
 </file>
 
@@ -9002,6 +9060,18 @@
   <p:clrMapOvr>
     <a:masterClrMapping/>
   </p:clrMapOvr>
+  <mc:AlternateContent xmlns:mc="http://schemas.openxmlformats.org/markup-compatibility/2006">
+    <mc:Choice xmlns:p15="http://schemas.microsoft.com/office/powerpoint/2012/main" Requires="p15">
+      <p:transition xmlns:p14="http://schemas.microsoft.com/office/powerpoint/2010/main" spd="slow" p14:dur="3250">
+        <p15:prstTrans prst="origami"/>
+      </p:transition>
+    </mc:Choice>
+    <mc:Fallback>
+      <p:transition spd="slow">
+        <p:fade/>
+      </p:transition>
+    </mc:Fallback>
+  </mc:AlternateContent>
 </p:sld>
 </file>
 
